--- a/PresentationBeerReview.pptx
+++ b/PresentationBeerReview.pptx
@@ -283,7 +283,7 @@
           <a:p>
             <a:fld id="{85A4B66F-563C-4BE5-AF22-E674DA16877F}" type="datetimeFigureOut">
               <a:rPr lang="fr-CH" smtClean="0"/>
-              <a:t>12.04.2018</a:t>
+              <a:t>15.04.2018</a:t>
             </a:fld>
             <a:endParaRPr lang="fr-CH"/>
           </a:p>
@@ -325,7 +325,7 @@
           <a:p>
             <a:fld id="{ED5FCFC8-4190-42A3-9123-0ED88F6F2170}" type="slidenum">
               <a:rPr lang="fr-CH" smtClean="0"/>
-              <a:t>‹N°›</a:t>
+              <a:t>‹#›</a:t>
             </a:fld>
             <a:endParaRPr lang="fr-CH"/>
           </a:p>
@@ -453,7 +453,7 @@
           <a:p>
             <a:fld id="{85A4B66F-563C-4BE5-AF22-E674DA16877F}" type="datetimeFigureOut">
               <a:rPr lang="fr-CH" smtClean="0"/>
-              <a:t>12.04.2018</a:t>
+              <a:t>15.04.2018</a:t>
             </a:fld>
             <a:endParaRPr lang="fr-CH"/>
           </a:p>
@@ -495,7 +495,7 @@
           <a:p>
             <a:fld id="{ED5FCFC8-4190-42A3-9123-0ED88F6F2170}" type="slidenum">
               <a:rPr lang="fr-CH" smtClean="0"/>
-              <a:t>‹N°›</a:t>
+              <a:t>‹#›</a:t>
             </a:fld>
             <a:endParaRPr lang="fr-CH"/>
           </a:p>
@@ -633,7 +633,7 @@
           <a:p>
             <a:fld id="{85A4B66F-563C-4BE5-AF22-E674DA16877F}" type="datetimeFigureOut">
               <a:rPr lang="fr-CH" smtClean="0"/>
-              <a:t>12.04.2018</a:t>
+              <a:t>15.04.2018</a:t>
             </a:fld>
             <a:endParaRPr lang="fr-CH"/>
           </a:p>
@@ -675,7 +675,7 @@
           <a:p>
             <a:fld id="{ED5FCFC8-4190-42A3-9123-0ED88F6F2170}" type="slidenum">
               <a:rPr lang="fr-CH" smtClean="0"/>
-              <a:t>‹N°›</a:t>
+              <a:t>‹#›</a:t>
             </a:fld>
             <a:endParaRPr lang="fr-CH"/>
           </a:p>
@@ -803,7 +803,7 @@
           <a:p>
             <a:fld id="{85A4B66F-563C-4BE5-AF22-E674DA16877F}" type="datetimeFigureOut">
               <a:rPr lang="fr-CH" smtClean="0"/>
-              <a:t>12.04.2018</a:t>
+              <a:t>15.04.2018</a:t>
             </a:fld>
             <a:endParaRPr lang="fr-CH"/>
           </a:p>
@@ -845,7 +845,7 @@
           <a:p>
             <a:fld id="{ED5FCFC8-4190-42A3-9123-0ED88F6F2170}" type="slidenum">
               <a:rPr lang="fr-CH" smtClean="0"/>
-              <a:t>‹N°›</a:t>
+              <a:t>‹#›</a:t>
             </a:fld>
             <a:endParaRPr lang="fr-CH"/>
           </a:p>
@@ -1071,7 +1071,7 @@
           <a:p>
             <a:fld id="{85A4B66F-563C-4BE5-AF22-E674DA16877F}" type="datetimeFigureOut">
               <a:rPr lang="fr-CH" smtClean="0"/>
-              <a:t>12.04.2018</a:t>
+              <a:t>15.04.2018</a:t>
             </a:fld>
             <a:endParaRPr lang="fr-CH"/>
           </a:p>
@@ -1113,7 +1113,7 @@
           <a:p>
             <a:fld id="{ED5FCFC8-4190-42A3-9123-0ED88F6F2170}" type="slidenum">
               <a:rPr lang="fr-CH" smtClean="0"/>
-              <a:t>‹N°›</a:t>
+              <a:t>‹#›</a:t>
             </a:fld>
             <a:endParaRPr lang="fr-CH"/>
           </a:p>
@@ -1303,7 +1303,7 @@
           <a:p>
             <a:fld id="{85A4B66F-563C-4BE5-AF22-E674DA16877F}" type="datetimeFigureOut">
               <a:rPr lang="fr-CH" smtClean="0"/>
-              <a:t>12.04.2018</a:t>
+              <a:t>15.04.2018</a:t>
             </a:fld>
             <a:endParaRPr lang="fr-CH"/>
           </a:p>
@@ -1345,7 +1345,7 @@
           <a:p>
             <a:fld id="{ED5FCFC8-4190-42A3-9123-0ED88F6F2170}" type="slidenum">
               <a:rPr lang="fr-CH" smtClean="0"/>
-              <a:t>‹N°›</a:t>
+              <a:t>‹#›</a:t>
             </a:fld>
             <a:endParaRPr lang="fr-CH"/>
           </a:p>
@@ -1662,7 +1662,7 @@
           <a:p>
             <a:fld id="{85A4B66F-563C-4BE5-AF22-E674DA16877F}" type="datetimeFigureOut">
               <a:rPr lang="fr-CH" smtClean="0"/>
-              <a:t>12.04.2018</a:t>
+              <a:t>15.04.2018</a:t>
             </a:fld>
             <a:endParaRPr lang="fr-CH"/>
           </a:p>
@@ -1704,7 +1704,7 @@
           <a:p>
             <a:fld id="{ED5FCFC8-4190-42A3-9123-0ED88F6F2170}" type="slidenum">
               <a:rPr lang="fr-CH" smtClean="0"/>
-              <a:t>‹N°›</a:t>
+              <a:t>‹#›</a:t>
             </a:fld>
             <a:endParaRPr lang="fr-CH"/>
           </a:p>
@@ -1803,7 +1803,7 @@
           <a:p>
             <a:fld id="{85A4B66F-563C-4BE5-AF22-E674DA16877F}" type="datetimeFigureOut">
               <a:rPr lang="fr-CH" smtClean="0"/>
-              <a:t>12.04.2018</a:t>
+              <a:t>15.04.2018</a:t>
             </a:fld>
             <a:endParaRPr lang="fr-CH"/>
           </a:p>
@@ -1845,7 +1845,7 @@
           <a:p>
             <a:fld id="{ED5FCFC8-4190-42A3-9123-0ED88F6F2170}" type="slidenum">
               <a:rPr lang="fr-CH" smtClean="0"/>
-              <a:t>‹N°›</a:t>
+              <a:t>‹#›</a:t>
             </a:fld>
             <a:endParaRPr lang="fr-CH"/>
           </a:p>
@@ -1898,7 +1898,7 @@
           <a:p>
             <a:fld id="{85A4B66F-563C-4BE5-AF22-E674DA16877F}" type="datetimeFigureOut">
               <a:rPr lang="fr-CH" smtClean="0"/>
-              <a:t>12.04.2018</a:t>
+              <a:t>15.04.2018</a:t>
             </a:fld>
             <a:endParaRPr lang="fr-CH"/>
           </a:p>
@@ -1940,7 +1940,7 @@
           <a:p>
             <a:fld id="{ED5FCFC8-4190-42A3-9123-0ED88F6F2170}" type="slidenum">
               <a:rPr lang="fr-CH" smtClean="0"/>
-              <a:t>‹N°›</a:t>
+              <a:t>‹#›</a:t>
             </a:fld>
             <a:endParaRPr lang="fr-CH"/>
           </a:p>
@@ -2255,7 +2255,7 @@
           <a:p>
             <a:fld id="{85A4B66F-563C-4BE5-AF22-E674DA16877F}" type="datetimeFigureOut">
               <a:rPr lang="fr-CH" smtClean="0"/>
-              <a:t>12.04.2018</a:t>
+              <a:t>15.04.2018</a:t>
             </a:fld>
             <a:endParaRPr lang="fr-CH"/>
           </a:p>
@@ -2312,7 +2312,7 @@
           <a:p>
             <a:fld id="{ED5FCFC8-4190-42A3-9123-0ED88F6F2170}" type="slidenum">
               <a:rPr lang="fr-CH" smtClean="0"/>
-              <a:t>‹N°›</a:t>
+              <a:t>‹#›</a:t>
             </a:fld>
             <a:endParaRPr lang="fr-CH"/>
           </a:p>
@@ -2612,7 +2612,7 @@
           <a:p>
             <a:fld id="{85A4B66F-563C-4BE5-AF22-E674DA16877F}" type="datetimeFigureOut">
               <a:rPr lang="fr-CH" smtClean="0"/>
-              <a:t>12.04.2018</a:t>
+              <a:t>15.04.2018</a:t>
             </a:fld>
             <a:endParaRPr lang="fr-CH"/>
           </a:p>
@@ -2669,7 +2669,7 @@
           <a:p>
             <a:fld id="{ED5FCFC8-4190-42A3-9123-0ED88F6F2170}" type="slidenum">
               <a:rPr lang="fr-CH" smtClean="0"/>
-              <a:t>‹N°›</a:t>
+              <a:t>‹#›</a:t>
             </a:fld>
             <a:endParaRPr lang="fr-CH"/>
           </a:p>
@@ -2853,7 +2853,7 @@
           <a:p>
             <a:fld id="{85A4B66F-563C-4BE5-AF22-E674DA16877F}" type="datetimeFigureOut">
               <a:rPr lang="fr-CH" smtClean="0"/>
-              <a:t>12.04.2018</a:t>
+              <a:t>15.04.2018</a:t>
             </a:fld>
             <a:endParaRPr lang="fr-CH"/>
           </a:p>
@@ -2936,7 +2936,7 @@
           <a:p>
             <a:fld id="{ED5FCFC8-4190-42A3-9123-0ED88F6F2170}" type="slidenum">
               <a:rPr lang="fr-CH" smtClean="0"/>
-              <a:t>‹N°›</a:t>
+              <a:t>‹#›</a:t>
             </a:fld>
             <a:endParaRPr lang="fr-CH"/>
           </a:p>
@@ -4850,7 +4850,7 @@
             </a:pPr>
             <a:r>
               <a:rPr lang="fr-CH" dirty="0"/>
-              <a:t>…</a:t>
+              <a:t>Mise en place des modèles</a:t>
             </a:r>
           </a:p>
           <a:p>
@@ -4869,7 +4869,26 @@
             </a:pPr>
             <a:r>
               <a:rPr lang="fr-CH" dirty="0"/>
-              <a:t>…</a:t>
+              <a:t>JS</a:t>
+            </a:r>
+          </a:p>
+          <a:p>
+            <a:pPr>
+              <a:spcBef>
+                <a:spcPts val="0"/>
+              </a:spcBef>
+            </a:pPr>
+            <a:endParaRPr lang="fr-CH" dirty="0"/>
+          </a:p>
+          <a:p>
+            <a:pPr>
+              <a:spcBef>
+                <a:spcPts val="0"/>
+              </a:spcBef>
+            </a:pPr>
+            <a:r>
+              <a:rPr lang="fr-CH" dirty="0"/>
+              <a:t>Recherche</a:t>
             </a:r>
           </a:p>
           <a:p>
